--- a/EV Forecasting Model document.pptx
+++ b/EV Forecasting Model document.pptx
@@ -112,6 +112,11 @@
       </a:defRPr>
     </a:lvl9pPr>
   </p:defaultTextStyle>
+  <p:extLst>
+    <p:ext uri="{EFAFB233-063F-42B5-8137-9DF3F51BA10A}">
+      <p15:sldGuideLst xmlns:p15="http://schemas.microsoft.com/office/powerpoint/2012/main"/>
+    </p:ext>
+  </p:extLst>
 </p:presentation>
 </file>
 
@@ -9642,7 +9647,7 @@
         </p:nvSpPr>
         <p:spPr>
           <a:xfrm>
-            <a:off x="1626814" y="3347910"/>
+            <a:off x="1626815" y="1651157"/>
             <a:ext cx="1876406" cy="360218"/>
           </a:xfrm>
           <a:prstGeom prst="rect">
